--- a/이식/f_base.pptx
+++ b/이식/f_base.pptx
@@ -265,7 +265,7 @@
           <a:p>
             <a:fld id="{6BD79945-8060-45F0-8579-4966D7C541EE}" type="datetimeFigureOut">
               <a:rPr lang="ko-KR" altLang="en-US" smtClean="0"/>
-              <a:t>2025-09-01</a:t>
+              <a:t>2025-09-03(Wed)</a:t>
             </a:fld>
             <a:endParaRPr lang="ko-KR" altLang="en-US"/>
           </a:p>
@@ -435,7 +435,7 @@
           <a:p>
             <a:fld id="{6BD79945-8060-45F0-8579-4966D7C541EE}" type="datetimeFigureOut">
               <a:rPr lang="ko-KR" altLang="en-US" smtClean="0"/>
-              <a:t>2025-09-01</a:t>
+              <a:t>2025-09-03(Wed)</a:t>
             </a:fld>
             <a:endParaRPr lang="ko-KR" altLang="en-US"/>
           </a:p>
@@ -615,7 +615,7 @@
           <a:p>
             <a:fld id="{6BD79945-8060-45F0-8579-4966D7C541EE}" type="datetimeFigureOut">
               <a:rPr lang="ko-KR" altLang="en-US" smtClean="0"/>
-              <a:t>2025-09-01</a:t>
+              <a:t>2025-09-03(Wed)</a:t>
             </a:fld>
             <a:endParaRPr lang="ko-KR" altLang="en-US"/>
           </a:p>
@@ -785,7 +785,7 @@
           <a:p>
             <a:fld id="{6BD79945-8060-45F0-8579-4966D7C541EE}" type="datetimeFigureOut">
               <a:rPr lang="ko-KR" altLang="en-US" smtClean="0"/>
-              <a:t>2025-09-01</a:t>
+              <a:t>2025-09-03(Wed)</a:t>
             </a:fld>
             <a:endParaRPr lang="ko-KR" altLang="en-US"/>
           </a:p>
@@ -1031,7 +1031,7 @@
           <a:p>
             <a:fld id="{6BD79945-8060-45F0-8579-4966D7C541EE}" type="datetimeFigureOut">
               <a:rPr lang="ko-KR" altLang="en-US" smtClean="0"/>
-              <a:t>2025-09-01</a:t>
+              <a:t>2025-09-03(Wed)</a:t>
             </a:fld>
             <a:endParaRPr lang="ko-KR" altLang="en-US"/>
           </a:p>
@@ -1263,7 +1263,7 @@
           <a:p>
             <a:fld id="{6BD79945-8060-45F0-8579-4966D7C541EE}" type="datetimeFigureOut">
               <a:rPr lang="ko-KR" altLang="en-US" smtClean="0"/>
-              <a:t>2025-09-01</a:t>
+              <a:t>2025-09-03(Wed)</a:t>
             </a:fld>
             <a:endParaRPr lang="ko-KR" altLang="en-US"/>
           </a:p>
@@ -1630,7 +1630,7 @@
           <a:p>
             <a:fld id="{6BD79945-8060-45F0-8579-4966D7C541EE}" type="datetimeFigureOut">
               <a:rPr lang="ko-KR" altLang="en-US" smtClean="0"/>
-              <a:t>2025-09-01</a:t>
+              <a:t>2025-09-03(Wed)</a:t>
             </a:fld>
             <a:endParaRPr lang="ko-KR" altLang="en-US"/>
           </a:p>
@@ -1748,7 +1748,7 @@
           <a:p>
             <a:fld id="{6BD79945-8060-45F0-8579-4966D7C541EE}" type="datetimeFigureOut">
               <a:rPr lang="ko-KR" altLang="en-US" smtClean="0"/>
-              <a:t>2025-09-01</a:t>
+              <a:t>2025-09-03(Wed)</a:t>
             </a:fld>
             <a:endParaRPr lang="ko-KR" altLang="en-US"/>
           </a:p>
@@ -1843,7 +1843,7 @@
           <a:p>
             <a:fld id="{6BD79945-8060-45F0-8579-4966D7C541EE}" type="datetimeFigureOut">
               <a:rPr lang="ko-KR" altLang="en-US" smtClean="0"/>
-              <a:t>2025-09-01</a:t>
+              <a:t>2025-09-03(Wed)</a:t>
             </a:fld>
             <a:endParaRPr lang="ko-KR" altLang="en-US"/>
           </a:p>
@@ -2120,7 +2120,7 @@
           <a:p>
             <a:fld id="{6BD79945-8060-45F0-8579-4966D7C541EE}" type="datetimeFigureOut">
               <a:rPr lang="ko-KR" altLang="en-US" smtClean="0"/>
-              <a:t>2025-09-01</a:t>
+              <a:t>2025-09-03(Wed)</a:t>
             </a:fld>
             <a:endParaRPr lang="ko-KR" altLang="en-US"/>
           </a:p>
@@ -2377,7 +2377,7 @@
           <a:p>
             <a:fld id="{6BD79945-8060-45F0-8579-4966D7C541EE}" type="datetimeFigureOut">
               <a:rPr lang="ko-KR" altLang="en-US" smtClean="0"/>
-              <a:t>2025-09-01</a:t>
+              <a:t>2025-09-03(Wed)</a:t>
             </a:fld>
             <a:endParaRPr lang="ko-KR" altLang="en-US"/>
           </a:p>
@@ -2590,7 +2590,7 @@
           <a:p>
             <a:fld id="{6BD79945-8060-45F0-8579-4966D7C541EE}" type="datetimeFigureOut">
               <a:rPr lang="ko-KR" altLang="en-US" smtClean="0"/>
-              <a:t>2025-09-01</a:t>
+              <a:t>2025-09-03(Wed)</a:t>
             </a:fld>
             <a:endParaRPr lang="ko-KR" altLang="en-US"/>
           </a:p>
@@ -3958,7 +3958,7 @@
         <p:spPr>
           <a:xfrm>
             <a:off x="4313380" y="2736394"/>
-            <a:ext cx="1890471" cy="369332"/>
+            <a:ext cx="1890471" cy="3416320"/>
           </a:xfrm>
           <a:prstGeom prst="rect">
             <a:avLst/>
@@ -3974,6 +3974,64 @@
             <a:r>
               <a:rPr lang="en-US" altLang="ko-KR" dirty="0"/>
               <a:t>change the True</a:t>
+            </a:r>
+          </a:p>
+          <a:p>
+            <a:endParaRPr lang="en-US" altLang="ko-KR" dirty="0"/>
+          </a:p>
+          <a:p>
+            <a:r>
+              <a:rPr lang="ko-KR" altLang="en-US" dirty="0" err="1"/>
+              <a:t>배포시</a:t>
+            </a:r>
+            <a:endParaRPr lang="en-US" altLang="ko-KR" dirty="0"/>
+          </a:p>
+          <a:p>
+            <a:r>
+              <a:rPr lang="en-US" altLang="ko-KR" dirty="0"/>
+              <a:t>{</a:t>
+            </a:r>
+          </a:p>
+          <a:p>
+            <a:r>
+              <a:rPr lang="en-US" altLang="ko-KR" dirty="0"/>
+              <a:t>  "rules": {</a:t>
+            </a:r>
+          </a:p>
+          <a:p>
+            <a:r>
+              <a:rPr lang="en-US" altLang="ko-KR" dirty="0"/>
+              <a:t>    "orders": {</a:t>
+            </a:r>
+          </a:p>
+          <a:p>
+            <a:r>
+              <a:rPr lang="en-US" altLang="ko-KR" dirty="0"/>
+              <a:t>      ".read": "auth != null",</a:t>
+            </a:r>
+          </a:p>
+          <a:p>
+            <a:r>
+              <a:rPr lang="en-US" altLang="ko-KR" dirty="0"/>
+              <a:t>      ".write": true</a:t>
+            </a:r>
+          </a:p>
+          <a:p>
+            <a:r>
+              <a:rPr lang="en-US" altLang="ko-KR" dirty="0"/>
+              <a:t>    }</a:t>
+            </a:r>
+          </a:p>
+          <a:p>
+            <a:r>
+              <a:rPr lang="en-US" altLang="ko-KR" dirty="0"/>
+              <a:t>  }</a:t>
+            </a:r>
+          </a:p>
+          <a:p>
+            <a:r>
+              <a:rPr lang="en-US" altLang="ko-KR" dirty="0"/>
+              <a:t>}</a:t>
             </a:r>
             <a:endParaRPr lang="ko-KR" altLang="en-US" dirty="0"/>
           </a:p>

--- a/이식/f_base.pptx
+++ b/이식/f_base.pptx
@@ -22,8 +22,8 @@
     <p:sldId id="268" r:id="rId16"/>
     <p:sldId id="270" r:id="rId17"/>
     <p:sldId id="271" r:id="rId18"/>
-    <p:sldId id="272" r:id="rId19"/>
-    <p:sldId id="273" r:id="rId20"/>
+    <p:sldId id="273" r:id="rId19"/>
+    <p:sldId id="272" r:id="rId20"/>
     <p:sldId id="274" r:id="rId21"/>
     <p:sldId id="275" r:id="rId22"/>
     <p:sldId id="276" r:id="rId23"/>
@@ -265,7 +265,7 @@
           <a:p>
             <a:fld id="{6BD79945-8060-45F0-8579-4966D7C541EE}" type="datetimeFigureOut">
               <a:rPr lang="ko-KR" altLang="en-US" smtClean="0"/>
-              <a:t>2025-09-01</a:t>
+              <a:t>2025-09-03</a:t>
             </a:fld>
             <a:endParaRPr lang="ko-KR" altLang="en-US"/>
           </a:p>
@@ -435,7 +435,7 @@
           <a:p>
             <a:fld id="{6BD79945-8060-45F0-8579-4966D7C541EE}" type="datetimeFigureOut">
               <a:rPr lang="ko-KR" altLang="en-US" smtClean="0"/>
-              <a:t>2025-09-01</a:t>
+              <a:t>2025-09-03</a:t>
             </a:fld>
             <a:endParaRPr lang="ko-KR" altLang="en-US"/>
           </a:p>
@@ -615,7 +615,7 @@
           <a:p>
             <a:fld id="{6BD79945-8060-45F0-8579-4966D7C541EE}" type="datetimeFigureOut">
               <a:rPr lang="ko-KR" altLang="en-US" smtClean="0"/>
-              <a:t>2025-09-01</a:t>
+              <a:t>2025-09-03</a:t>
             </a:fld>
             <a:endParaRPr lang="ko-KR" altLang="en-US"/>
           </a:p>
@@ -785,7 +785,7 @@
           <a:p>
             <a:fld id="{6BD79945-8060-45F0-8579-4966D7C541EE}" type="datetimeFigureOut">
               <a:rPr lang="ko-KR" altLang="en-US" smtClean="0"/>
-              <a:t>2025-09-01</a:t>
+              <a:t>2025-09-03</a:t>
             </a:fld>
             <a:endParaRPr lang="ko-KR" altLang="en-US"/>
           </a:p>
@@ -1031,7 +1031,7 @@
           <a:p>
             <a:fld id="{6BD79945-8060-45F0-8579-4966D7C541EE}" type="datetimeFigureOut">
               <a:rPr lang="ko-KR" altLang="en-US" smtClean="0"/>
-              <a:t>2025-09-01</a:t>
+              <a:t>2025-09-03</a:t>
             </a:fld>
             <a:endParaRPr lang="ko-KR" altLang="en-US"/>
           </a:p>
@@ -1263,7 +1263,7 @@
           <a:p>
             <a:fld id="{6BD79945-8060-45F0-8579-4966D7C541EE}" type="datetimeFigureOut">
               <a:rPr lang="ko-KR" altLang="en-US" smtClean="0"/>
-              <a:t>2025-09-01</a:t>
+              <a:t>2025-09-03</a:t>
             </a:fld>
             <a:endParaRPr lang="ko-KR" altLang="en-US"/>
           </a:p>
@@ -1630,7 +1630,7 @@
           <a:p>
             <a:fld id="{6BD79945-8060-45F0-8579-4966D7C541EE}" type="datetimeFigureOut">
               <a:rPr lang="ko-KR" altLang="en-US" smtClean="0"/>
-              <a:t>2025-09-01</a:t>
+              <a:t>2025-09-03</a:t>
             </a:fld>
             <a:endParaRPr lang="ko-KR" altLang="en-US"/>
           </a:p>
@@ -1748,7 +1748,7 @@
           <a:p>
             <a:fld id="{6BD79945-8060-45F0-8579-4966D7C541EE}" type="datetimeFigureOut">
               <a:rPr lang="ko-KR" altLang="en-US" smtClean="0"/>
-              <a:t>2025-09-01</a:t>
+              <a:t>2025-09-03</a:t>
             </a:fld>
             <a:endParaRPr lang="ko-KR" altLang="en-US"/>
           </a:p>
@@ -1843,7 +1843,7 @@
           <a:p>
             <a:fld id="{6BD79945-8060-45F0-8579-4966D7C541EE}" type="datetimeFigureOut">
               <a:rPr lang="ko-KR" altLang="en-US" smtClean="0"/>
-              <a:t>2025-09-01</a:t>
+              <a:t>2025-09-03</a:t>
             </a:fld>
             <a:endParaRPr lang="ko-KR" altLang="en-US"/>
           </a:p>
@@ -2120,7 +2120,7 @@
           <a:p>
             <a:fld id="{6BD79945-8060-45F0-8579-4966D7C541EE}" type="datetimeFigureOut">
               <a:rPr lang="ko-KR" altLang="en-US" smtClean="0"/>
-              <a:t>2025-09-01</a:t>
+              <a:t>2025-09-03</a:t>
             </a:fld>
             <a:endParaRPr lang="ko-KR" altLang="en-US"/>
           </a:p>
@@ -2377,7 +2377,7 @@
           <a:p>
             <a:fld id="{6BD79945-8060-45F0-8579-4966D7C541EE}" type="datetimeFigureOut">
               <a:rPr lang="ko-KR" altLang="en-US" smtClean="0"/>
-              <a:t>2025-09-01</a:t>
+              <a:t>2025-09-03</a:t>
             </a:fld>
             <a:endParaRPr lang="ko-KR" altLang="en-US"/>
           </a:p>
@@ -2590,7 +2590,7 @@
           <a:p>
             <a:fld id="{6BD79945-8060-45F0-8579-4966D7C541EE}" type="datetimeFigureOut">
               <a:rPr lang="ko-KR" altLang="en-US" smtClean="0"/>
-              <a:t>2025-09-01</a:t>
+              <a:t>2025-09-03</a:t>
             </a:fld>
             <a:endParaRPr lang="ko-KR" altLang="en-US"/>
           </a:p>
@@ -3958,7 +3958,7 @@
         <p:spPr>
           <a:xfrm>
             <a:off x="4313380" y="2736394"/>
-            <a:ext cx="1890471" cy="369332"/>
+            <a:ext cx="1890471" cy="923330"/>
           </a:xfrm>
           <a:prstGeom prst="rect">
             <a:avLst/>
@@ -3972,8 +3972,124 @@
           <a:lstStyle/>
           <a:p>
             <a:r>
+              <a:rPr lang="en-US" altLang="ko-KR" b="1" dirty="0"/>
+              <a:t>test</a:t>
+            </a:r>
+          </a:p>
+          <a:p>
+            <a:r>
               <a:rPr lang="en-US" altLang="ko-KR" dirty="0"/>
               <a:t>change the True</a:t>
+            </a:r>
+          </a:p>
+          <a:p>
+            <a:endParaRPr lang="ko-KR" altLang="en-US" dirty="0"/>
+          </a:p>
+        </p:txBody>
+      </p:sp>
+      <p:sp>
+        <p:nvSpPr>
+          <p:cNvPr id="2" name="TextBox 1">
+            <a:extLst>
+              <a:ext uri="{FF2B5EF4-FFF2-40B4-BE49-F238E27FC236}">
+                <a16:creationId xmlns:a16="http://schemas.microsoft.com/office/drawing/2014/main" id="{CB8AA991-1C86-F729-110A-8F709BEBA9C5}"/>
+              </a:ext>
+            </a:extLst>
+          </p:cNvPr>
+          <p:cNvSpPr txBox="1"/>
+          <p:nvPr/>
+        </p:nvSpPr>
+        <p:spPr>
+          <a:xfrm>
+            <a:off x="6203851" y="2736394"/>
+            <a:ext cx="2863273" cy="3693319"/>
+          </a:xfrm>
+          <a:prstGeom prst="rect">
+            <a:avLst/>
+          </a:prstGeom>
+          <a:noFill/>
+        </p:spPr>
+        <p:txBody>
+          <a:bodyPr wrap="square" rtlCol="0">
+            <a:spAutoFit/>
+          </a:bodyPr>
+          <a:lstStyle/>
+          <a:p>
+            <a:r>
+              <a:rPr lang="en-US" altLang="ko-KR" b="1" dirty="0"/>
+              <a:t>publish</a:t>
+            </a:r>
+          </a:p>
+          <a:p>
+            <a:r>
+              <a:rPr lang="en-US" altLang="ko-KR" dirty="0"/>
+              <a:t>{</a:t>
+            </a:r>
+          </a:p>
+          <a:p>
+            <a:r>
+              <a:rPr lang="en-US" altLang="ko-KR" dirty="0"/>
+              <a:t>  "rules": {</a:t>
+            </a:r>
+          </a:p>
+          <a:p>
+            <a:r>
+              <a:rPr lang="en-US" altLang="ko-KR" dirty="0"/>
+              <a:t>    "orders": {</a:t>
+            </a:r>
+          </a:p>
+          <a:p>
+            <a:r>
+              <a:rPr lang="en-US" altLang="ko-KR" dirty="0"/>
+              <a:t>      ".read": "auth != null",</a:t>
+            </a:r>
+          </a:p>
+          <a:p>
+            <a:r>
+              <a:rPr lang="en-US" altLang="ko-KR" dirty="0"/>
+              <a:t>      ".write": "auth != null"</a:t>
+            </a:r>
+          </a:p>
+          <a:p>
+            <a:r>
+              <a:rPr lang="en-US" altLang="ko-KR" dirty="0"/>
+              <a:t>    },</a:t>
+            </a:r>
+          </a:p>
+          <a:p>
+            <a:r>
+              <a:rPr lang="en-US" altLang="ko-KR" dirty="0"/>
+              <a:t>    "users": {</a:t>
+            </a:r>
+          </a:p>
+          <a:p>
+            <a:r>
+              <a:rPr lang="en-US" altLang="ko-KR" dirty="0"/>
+              <a:t>      ".read": "auth != null",</a:t>
+            </a:r>
+          </a:p>
+          <a:p>
+            <a:r>
+              <a:rPr lang="en-US" altLang="ko-KR" dirty="0"/>
+              <a:t>      ".write": "auth != null"</a:t>
+            </a:r>
+          </a:p>
+          <a:p>
+            <a:r>
+              <a:rPr lang="en-US" altLang="ko-KR" dirty="0"/>
+              <a:t>    }</a:t>
+            </a:r>
+          </a:p>
+          <a:p>
+            <a:r>
+              <a:rPr lang="en-US" altLang="ko-KR" dirty="0"/>
+              <a:t>  }</a:t>
+            </a:r>
+          </a:p>
+          <a:p>
+            <a:r>
+              <a:rPr lang="en-US" altLang="ko-KR" dirty="0"/>
+              <a:t>}</a:t>
             </a:r>
             <a:endParaRPr lang="ko-KR" altLang="en-US" dirty="0"/>
           </a:p>
@@ -4102,42 +4218,6 @@
         <p:cNvPr id="1" name="">
           <a:extLst>
             <a:ext uri="{FF2B5EF4-FFF2-40B4-BE49-F238E27FC236}">
-              <a16:creationId xmlns:a16="http://schemas.microsoft.com/office/drawing/2014/main" id="{CEF78BC2-C98F-0094-3FC6-4FFDC7696329}"/>
-            </a:ext>
-          </a:extLst>
-        </p:cNvPr>
-        <p:cNvGrpSpPr/>
-        <p:nvPr/>
-      </p:nvGrpSpPr>
-      <p:grpSpPr>
-        <a:xfrm>
-          <a:off x="0" y="0"/>
-          <a:ext cx="0" cy="0"/>
-          <a:chOff x="0" y="0"/>
-          <a:chExt cx="0" cy="0"/>
-        </a:xfrm>
-      </p:grpSpPr>
-    </p:spTree>
-    <p:extLst>
-      <p:ext uri="{BB962C8B-B14F-4D97-AF65-F5344CB8AC3E}">
-        <p14:creationId xmlns:p14="http://schemas.microsoft.com/office/powerpoint/2010/main" val="3382567960"/>
-      </p:ext>
-    </p:extLst>
-  </p:cSld>
-  <p:clrMapOvr>
-    <a:masterClrMapping/>
-  </p:clrMapOvr>
-</p:sld>
-</file>
-
-<file path=ppt/slides/slide19.xml><?xml version="1.0" encoding="utf-8"?>
-<p:sld xmlns:a="http://schemas.openxmlformats.org/drawingml/2006/main" xmlns:r="http://schemas.openxmlformats.org/officeDocument/2006/relationships" xmlns:p="http://schemas.openxmlformats.org/presentationml/2006/main">
-  <p:cSld>
-    <p:spTree>
-      <p:nvGrpSpPr>
-        <p:cNvPr id="1" name="">
-          <a:extLst>
-            <a:ext uri="{FF2B5EF4-FFF2-40B4-BE49-F238E27FC236}">
               <a16:creationId xmlns:a16="http://schemas.microsoft.com/office/drawing/2014/main" id="{014E6AB6-79D2-4873-F54A-52B041A63591}"/>
             </a:ext>
           </a:extLst>
@@ -4157,6 +4237,180 @@
     <p:extLst>
       <p:ext uri="{BB962C8B-B14F-4D97-AF65-F5344CB8AC3E}">
         <p14:creationId xmlns:p14="http://schemas.microsoft.com/office/powerpoint/2010/main" val="3381974293"/>
+      </p:ext>
+    </p:extLst>
+  </p:cSld>
+  <p:clrMapOvr>
+    <a:masterClrMapping/>
+  </p:clrMapOvr>
+</p:sld>
+</file>
+
+<file path=ppt/slides/slide19.xml><?xml version="1.0" encoding="utf-8"?>
+<p:sld xmlns:a="http://schemas.openxmlformats.org/drawingml/2006/main" xmlns:r="http://schemas.openxmlformats.org/officeDocument/2006/relationships" xmlns:p="http://schemas.openxmlformats.org/presentationml/2006/main">
+  <p:cSld>
+    <p:spTree>
+      <p:nvGrpSpPr>
+        <p:cNvPr id="1" name="">
+          <a:extLst>
+            <a:ext uri="{FF2B5EF4-FFF2-40B4-BE49-F238E27FC236}">
+              <a16:creationId xmlns:a16="http://schemas.microsoft.com/office/drawing/2014/main" id="{CEF78BC2-C98F-0094-3FC6-4FFDC7696329}"/>
+            </a:ext>
+          </a:extLst>
+        </p:cNvPr>
+        <p:cNvGrpSpPr/>
+        <p:nvPr/>
+      </p:nvGrpSpPr>
+      <p:grpSpPr>
+        <a:xfrm>
+          <a:off x="0" y="0"/>
+          <a:ext cx="0" cy="0"/>
+          <a:chOff x="0" y="0"/>
+          <a:chExt cx="0" cy="0"/>
+        </a:xfrm>
+      </p:grpSpPr>
+      <p:pic>
+        <p:nvPicPr>
+          <p:cNvPr id="6" name="그림 5">
+            <a:extLst>
+              <a:ext uri="{FF2B5EF4-FFF2-40B4-BE49-F238E27FC236}">
+                <a16:creationId xmlns:a16="http://schemas.microsoft.com/office/drawing/2014/main" id="{077AFC57-386D-E9E4-9BF6-5F2C3928A506}"/>
+              </a:ext>
+            </a:extLst>
+          </p:cNvPr>
+          <p:cNvPicPr>
+            <a:picLocks noChangeAspect="1"/>
+          </p:cNvPicPr>
+          <p:nvPr/>
+        </p:nvPicPr>
+        <p:blipFill>
+          <a:blip r:embed="rId2"/>
+          <a:stretch>
+            <a:fillRect/>
+          </a:stretch>
+        </p:blipFill>
+        <p:spPr>
+          <a:xfrm>
+            <a:off x="0" y="563687"/>
+            <a:ext cx="12192000" cy="5730625"/>
+          </a:xfrm>
+          <a:prstGeom prst="rect">
+            <a:avLst/>
+          </a:prstGeom>
+        </p:spPr>
+      </p:pic>
+      <p:pic>
+        <p:nvPicPr>
+          <p:cNvPr id="7" name="그래픽 6" descr="확인 표시 단색으로 채워진">
+            <a:extLst>
+              <a:ext uri="{FF2B5EF4-FFF2-40B4-BE49-F238E27FC236}">
+                <a16:creationId xmlns:a16="http://schemas.microsoft.com/office/drawing/2014/main" id="{C328206E-E2B4-62A8-5B8B-B1A4ADFEBF1A}"/>
+              </a:ext>
+            </a:extLst>
+          </p:cNvPr>
+          <p:cNvPicPr>
+            <a:picLocks noChangeAspect="1"/>
+          </p:cNvPicPr>
+          <p:nvPr/>
+        </p:nvPicPr>
+        <p:blipFill>
+          <a:blip r:embed="rId3">
+            <a:extLst>
+              <a:ext uri="{96DAC541-7B7A-43D3-8B79-37D633B846F1}">
+                <asvg:svgBlip xmlns:asvg="http://schemas.microsoft.com/office/drawing/2016/SVG/main" r:embed="rId4"/>
+              </a:ext>
+            </a:extLst>
+          </a:blip>
+          <a:stretch>
+            <a:fillRect/>
+          </a:stretch>
+        </p:blipFill>
+        <p:spPr>
+          <a:xfrm>
+            <a:off x="8512927" y="1635954"/>
+            <a:ext cx="914400" cy="914400"/>
+          </a:xfrm>
+          <a:prstGeom prst="rect">
+            <a:avLst/>
+          </a:prstGeom>
+        </p:spPr>
+      </p:pic>
+      <p:pic>
+        <p:nvPicPr>
+          <p:cNvPr id="8" name="그래픽 7" descr="확인 표시 단색으로 채워진">
+            <a:extLst>
+              <a:ext uri="{FF2B5EF4-FFF2-40B4-BE49-F238E27FC236}">
+                <a16:creationId xmlns:a16="http://schemas.microsoft.com/office/drawing/2014/main" id="{FD1C77D7-8AA2-D5F2-7099-CE8CABBB8540}"/>
+              </a:ext>
+            </a:extLst>
+          </p:cNvPr>
+          <p:cNvPicPr>
+            <a:picLocks noChangeAspect="1"/>
+          </p:cNvPicPr>
+          <p:nvPr/>
+        </p:nvPicPr>
+        <p:blipFill>
+          <a:blip r:embed="rId3">
+            <a:extLst>
+              <a:ext uri="{96DAC541-7B7A-43D3-8B79-37D633B846F1}">
+                <asvg:svgBlip xmlns:asvg="http://schemas.microsoft.com/office/drawing/2016/SVG/main" r:embed="rId4"/>
+              </a:ext>
+            </a:extLst>
+          </a:blip>
+          <a:stretch>
+            <a:fillRect/>
+          </a:stretch>
+        </p:blipFill>
+        <p:spPr>
+          <a:xfrm>
+            <a:off x="9159472" y="3165421"/>
+            <a:ext cx="914400" cy="914400"/>
+          </a:xfrm>
+          <a:prstGeom prst="rect">
+            <a:avLst/>
+          </a:prstGeom>
+        </p:spPr>
+      </p:pic>
+      <p:pic>
+        <p:nvPicPr>
+          <p:cNvPr id="9" name="그래픽 8" descr="갈매기형 화살표 단색으로 채워진">
+            <a:extLst>
+              <a:ext uri="{FF2B5EF4-FFF2-40B4-BE49-F238E27FC236}">
+                <a16:creationId xmlns:a16="http://schemas.microsoft.com/office/drawing/2014/main" id="{A293C690-F1DD-9C08-C36A-DC105C381EC0}"/>
+              </a:ext>
+            </a:extLst>
+          </p:cNvPr>
+          <p:cNvPicPr>
+            <a:picLocks noChangeAspect="1"/>
+          </p:cNvPicPr>
+          <p:nvPr/>
+        </p:nvPicPr>
+        <p:blipFill>
+          <a:blip r:embed="rId5">
+            <a:extLst>
+              <a:ext uri="{96DAC541-7B7A-43D3-8B79-37D633B846F1}">
+                <asvg:svgBlip xmlns:asvg="http://schemas.microsoft.com/office/drawing/2016/SVG/main" r:embed="rId6"/>
+              </a:ext>
+            </a:extLst>
+          </a:blip>
+          <a:stretch>
+            <a:fillRect/>
+          </a:stretch>
+        </p:blipFill>
+        <p:spPr>
+          <a:xfrm>
+            <a:off x="6227112" y="2971799"/>
+            <a:ext cx="914400" cy="914400"/>
+          </a:xfrm>
+          <a:prstGeom prst="rect">
+            <a:avLst/>
+          </a:prstGeom>
+        </p:spPr>
+      </p:pic>
+    </p:spTree>
+    <p:extLst>
+      <p:ext uri="{BB962C8B-B14F-4D97-AF65-F5344CB8AC3E}">
+        <p14:creationId xmlns:p14="http://schemas.microsoft.com/office/powerpoint/2010/main" val="3382567960"/>
       </p:ext>
     </p:extLst>
   </p:cSld>

--- a/이식/f_base.pptx
+++ b/이식/f_base.pptx
@@ -265,7 +265,7 @@
           <a:p>
             <a:fld id="{6BD79945-8060-45F0-8579-4966D7C541EE}" type="datetimeFigureOut">
               <a:rPr lang="ko-KR" altLang="en-US" smtClean="0"/>
-              <a:t>2025-09-03</a:t>
+              <a:t>2025-09-04</a:t>
             </a:fld>
             <a:endParaRPr lang="ko-KR" altLang="en-US"/>
           </a:p>
@@ -435,7 +435,7 @@
           <a:p>
             <a:fld id="{6BD79945-8060-45F0-8579-4966D7C541EE}" type="datetimeFigureOut">
               <a:rPr lang="ko-KR" altLang="en-US" smtClean="0"/>
-              <a:t>2025-09-03</a:t>
+              <a:t>2025-09-04</a:t>
             </a:fld>
             <a:endParaRPr lang="ko-KR" altLang="en-US"/>
           </a:p>
@@ -615,7 +615,7 @@
           <a:p>
             <a:fld id="{6BD79945-8060-45F0-8579-4966D7C541EE}" type="datetimeFigureOut">
               <a:rPr lang="ko-KR" altLang="en-US" smtClean="0"/>
-              <a:t>2025-09-03</a:t>
+              <a:t>2025-09-04</a:t>
             </a:fld>
             <a:endParaRPr lang="ko-KR" altLang="en-US"/>
           </a:p>
@@ -785,7 +785,7 @@
           <a:p>
             <a:fld id="{6BD79945-8060-45F0-8579-4966D7C541EE}" type="datetimeFigureOut">
               <a:rPr lang="ko-KR" altLang="en-US" smtClean="0"/>
-              <a:t>2025-09-03</a:t>
+              <a:t>2025-09-04</a:t>
             </a:fld>
             <a:endParaRPr lang="ko-KR" altLang="en-US"/>
           </a:p>
@@ -1031,7 +1031,7 @@
           <a:p>
             <a:fld id="{6BD79945-8060-45F0-8579-4966D7C541EE}" type="datetimeFigureOut">
               <a:rPr lang="ko-KR" altLang="en-US" smtClean="0"/>
-              <a:t>2025-09-03</a:t>
+              <a:t>2025-09-04</a:t>
             </a:fld>
             <a:endParaRPr lang="ko-KR" altLang="en-US"/>
           </a:p>
@@ -1263,7 +1263,7 @@
           <a:p>
             <a:fld id="{6BD79945-8060-45F0-8579-4966D7C541EE}" type="datetimeFigureOut">
               <a:rPr lang="ko-KR" altLang="en-US" smtClean="0"/>
-              <a:t>2025-09-03</a:t>
+              <a:t>2025-09-04</a:t>
             </a:fld>
             <a:endParaRPr lang="ko-KR" altLang="en-US"/>
           </a:p>
@@ -1630,7 +1630,7 @@
           <a:p>
             <a:fld id="{6BD79945-8060-45F0-8579-4966D7C541EE}" type="datetimeFigureOut">
               <a:rPr lang="ko-KR" altLang="en-US" smtClean="0"/>
-              <a:t>2025-09-03</a:t>
+              <a:t>2025-09-04</a:t>
             </a:fld>
             <a:endParaRPr lang="ko-KR" altLang="en-US"/>
           </a:p>
@@ -1748,7 +1748,7 @@
           <a:p>
             <a:fld id="{6BD79945-8060-45F0-8579-4966D7C541EE}" type="datetimeFigureOut">
               <a:rPr lang="ko-KR" altLang="en-US" smtClean="0"/>
-              <a:t>2025-09-03</a:t>
+              <a:t>2025-09-04</a:t>
             </a:fld>
             <a:endParaRPr lang="ko-KR" altLang="en-US"/>
           </a:p>
@@ -1843,7 +1843,7 @@
           <a:p>
             <a:fld id="{6BD79945-8060-45F0-8579-4966D7C541EE}" type="datetimeFigureOut">
               <a:rPr lang="ko-KR" altLang="en-US" smtClean="0"/>
-              <a:t>2025-09-03</a:t>
+              <a:t>2025-09-04</a:t>
             </a:fld>
             <a:endParaRPr lang="ko-KR" altLang="en-US"/>
           </a:p>
@@ -2120,7 +2120,7 @@
           <a:p>
             <a:fld id="{6BD79945-8060-45F0-8579-4966D7C541EE}" type="datetimeFigureOut">
               <a:rPr lang="ko-KR" altLang="en-US" smtClean="0"/>
-              <a:t>2025-09-03</a:t>
+              <a:t>2025-09-04</a:t>
             </a:fld>
             <a:endParaRPr lang="ko-KR" altLang="en-US"/>
           </a:p>
@@ -2377,7 +2377,7 @@
           <a:p>
             <a:fld id="{6BD79945-8060-45F0-8579-4966D7C541EE}" type="datetimeFigureOut">
               <a:rPr lang="ko-KR" altLang="en-US" smtClean="0"/>
-              <a:t>2025-09-03</a:t>
+              <a:t>2025-09-04</a:t>
             </a:fld>
             <a:endParaRPr lang="ko-KR" altLang="en-US"/>
           </a:p>
@@ -2590,7 +2590,7 @@
           <a:p>
             <a:fld id="{6BD79945-8060-45F0-8579-4966D7C541EE}" type="datetimeFigureOut">
               <a:rPr lang="ko-KR" altLang="en-US" smtClean="0"/>
-              <a:t>2025-09-03</a:t>
+              <a:t>2025-09-04</a:t>
             </a:fld>
             <a:endParaRPr lang="ko-KR" altLang="en-US"/>
           </a:p>
@@ -4002,7 +4002,7 @@
         <p:spPr>
           <a:xfrm>
             <a:off x="6203851" y="2736394"/>
-            <a:ext cx="2863273" cy="3693319"/>
+            <a:ext cx="2863273" cy="2862322"/>
           </a:xfrm>
           <a:prstGeom prst="rect">
             <a:avLst/>
@@ -4021,6 +4021,9 @@
             </a:r>
           </a:p>
           <a:p>
+            <a:endParaRPr lang="en-US" altLang="ko-KR" dirty="0"/>
+          </a:p>
+          <a:p>
             <a:r>
               <a:rPr lang="en-US" altLang="ko-KR" dirty="0"/>
               <a:t>{</a:t>
@@ -4047,31 +4050,7 @@
           <a:p>
             <a:r>
               <a:rPr lang="en-US" altLang="ko-KR" dirty="0"/>
-              <a:t>      ".write": "auth != null"</a:t>
-            </a:r>
-          </a:p>
-          <a:p>
-            <a:r>
-              <a:rPr lang="en-US" altLang="ko-KR" dirty="0"/>
-              <a:t>    },</a:t>
-            </a:r>
-          </a:p>
-          <a:p>
-            <a:r>
-              <a:rPr lang="en-US" altLang="ko-KR" dirty="0"/>
-              <a:t>    "users": {</a:t>
-            </a:r>
-          </a:p>
-          <a:p>
-            <a:r>
-              <a:rPr lang="en-US" altLang="ko-KR" dirty="0"/>
-              <a:t>      ".read": "auth != null",</a:t>
-            </a:r>
-          </a:p>
-          <a:p>
-            <a:r>
-              <a:rPr lang="en-US" altLang="ko-KR" dirty="0"/>
-              <a:t>      ".write": "auth != null"</a:t>
+              <a:t>      ".write": true</a:t>
             </a:r>
           </a:p>
           <a:p>

--- a/이식/f_base.pptx
+++ b/이식/f_base.pptx
@@ -265,7 +265,7 @@
           <a:p>
             <a:fld id="{6BD79945-8060-45F0-8579-4966D7C541EE}" type="datetimeFigureOut">
               <a:rPr lang="ko-KR" altLang="en-US" smtClean="0"/>
-              <a:t>2025-09-04</a:t>
+              <a:t>2025-09-09</a:t>
             </a:fld>
             <a:endParaRPr lang="ko-KR" altLang="en-US"/>
           </a:p>
@@ -435,7 +435,7 @@
           <a:p>
             <a:fld id="{6BD79945-8060-45F0-8579-4966D7C541EE}" type="datetimeFigureOut">
               <a:rPr lang="ko-KR" altLang="en-US" smtClean="0"/>
-              <a:t>2025-09-04</a:t>
+              <a:t>2025-09-09</a:t>
             </a:fld>
             <a:endParaRPr lang="ko-KR" altLang="en-US"/>
           </a:p>
@@ -615,7 +615,7 @@
           <a:p>
             <a:fld id="{6BD79945-8060-45F0-8579-4966D7C541EE}" type="datetimeFigureOut">
               <a:rPr lang="ko-KR" altLang="en-US" smtClean="0"/>
-              <a:t>2025-09-04</a:t>
+              <a:t>2025-09-09</a:t>
             </a:fld>
             <a:endParaRPr lang="ko-KR" altLang="en-US"/>
           </a:p>
@@ -785,7 +785,7 @@
           <a:p>
             <a:fld id="{6BD79945-8060-45F0-8579-4966D7C541EE}" type="datetimeFigureOut">
               <a:rPr lang="ko-KR" altLang="en-US" smtClean="0"/>
-              <a:t>2025-09-04</a:t>
+              <a:t>2025-09-09</a:t>
             </a:fld>
             <a:endParaRPr lang="ko-KR" altLang="en-US"/>
           </a:p>
@@ -1031,7 +1031,7 @@
           <a:p>
             <a:fld id="{6BD79945-8060-45F0-8579-4966D7C541EE}" type="datetimeFigureOut">
               <a:rPr lang="ko-KR" altLang="en-US" smtClean="0"/>
-              <a:t>2025-09-04</a:t>
+              <a:t>2025-09-09</a:t>
             </a:fld>
             <a:endParaRPr lang="ko-KR" altLang="en-US"/>
           </a:p>
@@ -1263,7 +1263,7 @@
           <a:p>
             <a:fld id="{6BD79945-8060-45F0-8579-4966D7C541EE}" type="datetimeFigureOut">
               <a:rPr lang="ko-KR" altLang="en-US" smtClean="0"/>
-              <a:t>2025-09-04</a:t>
+              <a:t>2025-09-09</a:t>
             </a:fld>
             <a:endParaRPr lang="ko-KR" altLang="en-US"/>
           </a:p>
@@ -1630,7 +1630,7 @@
           <a:p>
             <a:fld id="{6BD79945-8060-45F0-8579-4966D7C541EE}" type="datetimeFigureOut">
               <a:rPr lang="ko-KR" altLang="en-US" smtClean="0"/>
-              <a:t>2025-09-04</a:t>
+              <a:t>2025-09-09</a:t>
             </a:fld>
             <a:endParaRPr lang="ko-KR" altLang="en-US"/>
           </a:p>
@@ -1748,7 +1748,7 @@
           <a:p>
             <a:fld id="{6BD79945-8060-45F0-8579-4966D7C541EE}" type="datetimeFigureOut">
               <a:rPr lang="ko-KR" altLang="en-US" smtClean="0"/>
-              <a:t>2025-09-04</a:t>
+              <a:t>2025-09-09</a:t>
             </a:fld>
             <a:endParaRPr lang="ko-KR" altLang="en-US"/>
           </a:p>
@@ -1843,7 +1843,7 @@
           <a:p>
             <a:fld id="{6BD79945-8060-45F0-8579-4966D7C541EE}" type="datetimeFigureOut">
               <a:rPr lang="ko-KR" altLang="en-US" smtClean="0"/>
-              <a:t>2025-09-04</a:t>
+              <a:t>2025-09-09</a:t>
             </a:fld>
             <a:endParaRPr lang="ko-KR" altLang="en-US"/>
           </a:p>
@@ -2120,7 +2120,7 @@
           <a:p>
             <a:fld id="{6BD79945-8060-45F0-8579-4966D7C541EE}" type="datetimeFigureOut">
               <a:rPr lang="ko-KR" altLang="en-US" smtClean="0"/>
-              <a:t>2025-09-04</a:t>
+              <a:t>2025-09-09</a:t>
             </a:fld>
             <a:endParaRPr lang="ko-KR" altLang="en-US"/>
           </a:p>
@@ -2377,7 +2377,7 @@
           <a:p>
             <a:fld id="{6BD79945-8060-45F0-8579-4966D7C541EE}" type="datetimeFigureOut">
               <a:rPr lang="ko-KR" altLang="en-US" smtClean="0"/>
-              <a:t>2025-09-04</a:t>
+              <a:t>2025-09-09</a:t>
             </a:fld>
             <a:endParaRPr lang="ko-KR" altLang="en-US"/>
           </a:p>
@@ -2590,7 +2590,7 @@
           <a:p>
             <a:fld id="{6BD79945-8060-45F0-8579-4966D7C541EE}" type="datetimeFigureOut">
               <a:rPr lang="ko-KR" altLang="en-US" smtClean="0"/>
-              <a:t>2025-09-04</a:t>
+              <a:t>2025-09-09</a:t>
             </a:fld>
             <a:endParaRPr lang="ko-KR" altLang="en-US"/>
           </a:p>
@@ -4002,7 +4002,7 @@
         <p:spPr>
           <a:xfrm>
             <a:off x="6203851" y="2736394"/>
-            <a:ext cx="2863273" cy="2862322"/>
+            <a:ext cx="2863273" cy="2308324"/>
           </a:xfrm>
           <a:prstGeom prst="rect">
             <a:avLst/>
@@ -4038,25 +4038,13 @@
           <a:p>
             <a:r>
               <a:rPr lang="en-US" altLang="ko-KR" dirty="0"/>
-              <a:t>    "orders": {</a:t>
+              <a:t>    ".read": true,</a:t>
             </a:r>
           </a:p>
           <a:p>
             <a:r>
               <a:rPr lang="en-US" altLang="ko-KR" dirty="0"/>
-              <a:t>      ".read": "auth != null",</a:t>
-            </a:r>
-          </a:p>
-          <a:p>
-            <a:r>
-              <a:rPr lang="en-US" altLang="ko-KR" dirty="0"/>
-              <a:t>      ".write": true</a:t>
-            </a:r>
-          </a:p>
-          <a:p>
-            <a:r>
-              <a:rPr lang="en-US" altLang="ko-KR" dirty="0"/>
-              <a:t>    }</a:t>
+              <a:t>    ".write": true</a:t>
             </a:r>
           </a:p>
           <a:p>
